--- a/images/mvcflow.pptx
+++ b/images/mvcflow.pptx
@@ -265,7 +265,7 @@
           <a:p>
             <a:fld id="{97D8618B-6391-465C-8128-22C529F752F4}" type="datetimeFigureOut">
               <a:rPr lang="en-US" smtClean="0"/>
-              <a:t>3/29/2020</a:t>
+              <a:t>3/30/2020</a:t>
             </a:fld>
             <a:endParaRPr lang="en-US"/>
           </a:p>
@@ -463,7 +463,7 @@
           <a:p>
             <a:fld id="{97D8618B-6391-465C-8128-22C529F752F4}" type="datetimeFigureOut">
               <a:rPr lang="en-US" smtClean="0"/>
-              <a:t>3/29/2020</a:t>
+              <a:t>3/30/2020</a:t>
             </a:fld>
             <a:endParaRPr lang="en-US"/>
           </a:p>
@@ -671,7 +671,7 @@
           <a:p>
             <a:fld id="{97D8618B-6391-465C-8128-22C529F752F4}" type="datetimeFigureOut">
               <a:rPr lang="en-US" smtClean="0"/>
-              <a:t>3/29/2020</a:t>
+              <a:t>3/30/2020</a:t>
             </a:fld>
             <a:endParaRPr lang="en-US"/>
           </a:p>
@@ -869,7 +869,7 @@
           <a:p>
             <a:fld id="{97D8618B-6391-465C-8128-22C529F752F4}" type="datetimeFigureOut">
               <a:rPr lang="en-US" smtClean="0"/>
-              <a:t>3/29/2020</a:t>
+              <a:t>3/30/2020</a:t>
             </a:fld>
             <a:endParaRPr lang="en-US"/>
           </a:p>
@@ -1144,7 +1144,7 @@
           <a:p>
             <a:fld id="{97D8618B-6391-465C-8128-22C529F752F4}" type="datetimeFigureOut">
               <a:rPr lang="en-US" smtClean="0"/>
-              <a:t>3/29/2020</a:t>
+              <a:t>3/30/2020</a:t>
             </a:fld>
             <a:endParaRPr lang="en-US"/>
           </a:p>
@@ -1409,7 +1409,7 @@
           <a:p>
             <a:fld id="{97D8618B-6391-465C-8128-22C529F752F4}" type="datetimeFigureOut">
               <a:rPr lang="en-US" smtClean="0"/>
-              <a:t>3/29/2020</a:t>
+              <a:t>3/30/2020</a:t>
             </a:fld>
             <a:endParaRPr lang="en-US"/>
           </a:p>
@@ -1821,7 +1821,7 @@
           <a:p>
             <a:fld id="{97D8618B-6391-465C-8128-22C529F752F4}" type="datetimeFigureOut">
               <a:rPr lang="en-US" smtClean="0"/>
-              <a:t>3/29/2020</a:t>
+              <a:t>3/30/2020</a:t>
             </a:fld>
             <a:endParaRPr lang="en-US"/>
           </a:p>
@@ -1962,7 +1962,7 @@
           <a:p>
             <a:fld id="{97D8618B-6391-465C-8128-22C529F752F4}" type="datetimeFigureOut">
               <a:rPr lang="en-US" smtClean="0"/>
-              <a:t>3/29/2020</a:t>
+              <a:t>3/30/2020</a:t>
             </a:fld>
             <a:endParaRPr lang="en-US"/>
           </a:p>
@@ -2075,7 +2075,7 @@
           <a:p>
             <a:fld id="{97D8618B-6391-465C-8128-22C529F752F4}" type="datetimeFigureOut">
               <a:rPr lang="en-US" smtClean="0"/>
-              <a:t>3/29/2020</a:t>
+              <a:t>3/30/2020</a:t>
             </a:fld>
             <a:endParaRPr lang="en-US"/>
           </a:p>
@@ -2386,7 +2386,7 @@
           <a:p>
             <a:fld id="{97D8618B-6391-465C-8128-22C529F752F4}" type="datetimeFigureOut">
               <a:rPr lang="en-US" smtClean="0"/>
-              <a:t>3/29/2020</a:t>
+              <a:t>3/30/2020</a:t>
             </a:fld>
             <a:endParaRPr lang="en-US"/>
           </a:p>
@@ -2674,7 +2674,7 @@
           <a:p>
             <a:fld id="{97D8618B-6391-465C-8128-22C529F752F4}" type="datetimeFigureOut">
               <a:rPr lang="en-US" smtClean="0"/>
-              <a:t>3/29/2020</a:t>
+              <a:t>3/30/2020</a:t>
             </a:fld>
             <a:endParaRPr lang="en-US"/>
           </a:p>
@@ -2915,7 +2915,7 @@
           <a:p>
             <a:fld id="{97D8618B-6391-465C-8128-22C529F752F4}" type="datetimeFigureOut">
               <a:rPr lang="en-US" smtClean="0"/>
-              <a:t>3/29/2020</a:t>
+              <a:t>3/30/2020</a:t>
             </a:fld>
             <a:endParaRPr lang="en-US"/>
           </a:p>
@@ -3346,8 +3346,8 @@
         </p:nvSpPr>
         <p:spPr>
           <a:xfrm>
-            <a:off x="2573518" y="697584"/>
-            <a:ext cx="7016684" cy="584775"/>
+            <a:off x="2263420" y="1142851"/>
+            <a:ext cx="6777809" cy="584775"/>
           </a:xfrm>
           <a:prstGeom prst="rect">
             <a:avLst/>
@@ -4732,7 +4732,7 @@
         </p:nvSpPr>
         <p:spPr>
           <a:xfrm>
-            <a:off x="1480008" y="1659118"/>
+            <a:off x="1480008" y="1730677"/>
             <a:ext cx="9030879" cy="4279769"/>
           </a:xfrm>
           <a:prstGeom prst="roundRect">
@@ -4816,7 +4816,7 @@
         </p:nvSpPr>
         <p:spPr>
           <a:xfrm>
-            <a:off x="2599911" y="2903455"/>
+            <a:off x="2599911" y="2975014"/>
             <a:ext cx="2910547" cy="2639506"/>
           </a:xfrm>
           <a:prstGeom prst="roundRect">
@@ -4885,7 +4885,7 @@
         </p:nvSpPr>
         <p:spPr>
           <a:xfrm>
-            <a:off x="3514313" y="3412499"/>
+            <a:off x="3514313" y="3484058"/>
             <a:ext cx="1242776" cy="601060"/>
           </a:xfrm>
           <a:prstGeom prst="ellipse">
@@ -4946,7 +4946,7 @@
         </p:nvSpPr>
         <p:spPr>
           <a:xfrm>
-            <a:off x="4194619" y="4224776"/>
+            <a:off x="4194619" y="4296335"/>
             <a:ext cx="1242776" cy="601060"/>
           </a:xfrm>
           <a:prstGeom prst="ellipse">
@@ -5007,7 +5007,7 @@
         </p:nvSpPr>
         <p:spPr>
           <a:xfrm>
-            <a:off x="2705173" y="4187069"/>
+            <a:off x="2705173" y="4258628"/>
             <a:ext cx="1242776" cy="601060"/>
           </a:xfrm>
           <a:prstGeom prst="ellipse">
@@ -5072,7 +5072,7 @@
         </p:nvCxnSpPr>
         <p:spPr>
           <a:xfrm rot="16200000" flipH="1">
-            <a:off x="3613043" y="3974236"/>
+            <a:off x="3613043" y="4045795"/>
             <a:ext cx="37707" cy="1489446"/>
           </a:xfrm>
           <a:prstGeom prst="curvedConnector3">
@@ -5119,7 +5119,7 @@
         </p:nvCxnSpPr>
         <p:spPr>
           <a:xfrm rot="5400000" flipH="1" flipV="1">
-            <a:off x="2919712" y="3680491"/>
+            <a:off x="2919712" y="3752050"/>
             <a:ext cx="562063" cy="627140"/>
           </a:xfrm>
           <a:prstGeom prst="curvedConnector2">
@@ -5158,7 +5158,7 @@
         </p:nvSpPr>
         <p:spPr>
           <a:xfrm>
-            <a:off x="3282849" y="5027045"/>
+            <a:off x="3282849" y="5098604"/>
             <a:ext cx="665100" cy="276999"/>
           </a:xfrm>
           <a:prstGeom prst="rect">
@@ -5193,7 +5193,7 @@
         </p:nvSpPr>
         <p:spPr>
           <a:xfrm>
-            <a:off x="2558563" y="3526511"/>
+            <a:off x="2558563" y="3598070"/>
             <a:ext cx="849983" cy="276999"/>
           </a:xfrm>
           <a:prstGeom prst="rect">
@@ -5228,7 +5228,7 @@
         </p:nvSpPr>
         <p:spPr>
           <a:xfrm>
-            <a:off x="4151689" y="3982238"/>
+            <a:off x="4151689" y="4053797"/>
             <a:ext cx="665100" cy="276999"/>
           </a:xfrm>
           <a:prstGeom prst="rect">
@@ -5267,7 +5267,7 @@
         </p:nvCxnSpPr>
         <p:spPr>
           <a:xfrm rot="16200000" flipV="1">
-            <a:off x="4545928" y="3954697"/>
+            <a:off x="4545928" y="4026256"/>
             <a:ext cx="299240" cy="240918"/>
           </a:xfrm>
           <a:prstGeom prst="curvedConnector3">
@@ -5310,7 +5310,7 @@
         </p:nvSpPr>
         <p:spPr>
           <a:xfrm>
-            <a:off x="6607873" y="2923877"/>
+            <a:off x="6607873" y="2995436"/>
             <a:ext cx="2910547" cy="2639506"/>
           </a:xfrm>
           <a:prstGeom prst="roundRect">
@@ -5379,7 +5379,7 @@
         </p:nvSpPr>
         <p:spPr>
           <a:xfrm>
-            <a:off x="7522275" y="3432921"/>
+            <a:off x="7522275" y="3504480"/>
             <a:ext cx="1242776" cy="601060"/>
           </a:xfrm>
           <a:prstGeom prst="ellipse">
@@ -5440,7 +5440,7 @@
         </p:nvSpPr>
         <p:spPr>
           <a:xfrm>
-            <a:off x="8202581" y="4245198"/>
+            <a:off x="8202581" y="4316757"/>
             <a:ext cx="1242776" cy="601060"/>
           </a:xfrm>
           <a:prstGeom prst="ellipse">
@@ -5501,7 +5501,7 @@
         </p:nvSpPr>
         <p:spPr>
           <a:xfrm>
-            <a:off x="6713135" y="4207491"/>
+            <a:off x="6713135" y="4279050"/>
             <a:ext cx="1242776" cy="601060"/>
           </a:xfrm>
           <a:prstGeom prst="ellipse">
@@ -5566,7 +5566,7 @@
         </p:nvCxnSpPr>
         <p:spPr>
           <a:xfrm rot="16200000" flipH="1">
-            <a:off x="7621005" y="3994658"/>
+            <a:off x="7621005" y="4066217"/>
             <a:ext cx="37707" cy="1489446"/>
           </a:xfrm>
           <a:prstGeom prst="curvedConnector3">
@@ -5613,7 +5613,7 @@
         </p:nvCxnSpPr>
         <p:spPr>
           <a:xfrm rot="5400000" flipH="1" flipV="1">
-            <a:off x="6927674" y="3700913"/>
+            <a:off x="6927674" y="3772472"/>
             <a:ext cx="562063" cy="627140"/>
           </a:xfrm>
           <a:prstGeom prst="curvedConnector2">
@@ -5652,7 +5652,7 @@
         </p:nvSpPr>
         <p:spPr>
           <a:xfrm>
-            <a:off x="7290811" y="5047467"/>
+            <a:off x="7290811" y="5119026"/>
             <a:ext cx="665100" cy="276999"/>
           </a:xfrm>
           <a:prstGeom prst="rect">
@@ -5687,7 +5687,7 @@
         </p:nvSpPr>
         <p:spPr>
           <a:xfrm>
-            <a:off x="6566525" y="3546933"/>
+            <a:off x="6566525" y="3618492"/>
             <a:ext cx="849983" cy="276999"/>
           </a:xfrm>
           <a:prstGeom prst="rect">
@@ -5722,7 +5722,7 @@
         </p:nvSpPr>
         <p:spPr>
           <a:xfrm>
-            <a:off x="8159651" y="4002660"/>
+            <a:off x="8159651" y="4074219"/>
             <a:ext cx="665100" cy="276999"/>
           </a:xfrm>
           <a:prstGeom prst="rect">
@@ -5761,7 +5761,7 @@
         </p:nvCxnSpPr>
         <p:spPr>
           <a:xfrm rot="16200000" flipV="1">
-            <a:off x="8553890" y="3975119"/>
+            <a:off x="8553890" y="4046678"/>
             <a:ext cx="299240" cy="240918"/>
           </a:xfrm>
           <a:prstGeom prst="curvedConnector3">
@@ -5804,7 +5804,7 @@
         </p:nvSpPr>
         <p:spPr>
           <a:xfrm>
-            <a:off x="3947949" y="1932495"/>
+            <a:off x="3947949" y="2004054"/>
             <a:ext cx="3782030" cy="671185"/>
           </a:xfrm>
           <a:prstGeom prst="roundRect">
@@ -5874,7 +5874,7 @@
         </p:nvCxnSpPr>
         <p:spPr>
           <a:xfrm rot="5400000" flipH="1" flipV="1">
-            <a:off x="4797187" y="1861679"/>
+            <a:off x="4797187" y="1933238"/>
             <a:ext cx="299775" cy="1783779"/>
           </a:xfrm>
           <a:prstGeom prst="curvedConnector3">
@@ -5916,7 +5916,7 @@
         </p:nvCxnSpPr>
         <p:spPr>
           <a:xfrm>
-            <a:off x="5838964" y="2603680"/>
+            <a:off x="5838964" y="2675239"/>
             <a:ext cx="2224183" cy="320197"/>
           </a:xfrm>
           <a:prstGeom prst="curvedConnector2">
@@ -5955,7 +5955,7 @@
         </p:nvSpPr>
         <p:spPr>
           <a:xfrm>
-            <a:off x="3427405" y="2613680"/>
+            <a:off x="3427405" y="2685239"/>
             <a:ext cx="827982" cy="276999"/>
           </a:xfrm>
           <a:prstGeom prst="rect">
@@ -5990,7 +5990,7 @@
         </p:nvSpPr>
         <p:spPr>
           <a:xfrm>
-            <a:off x="7774732" y="2558693"/>
+            <a:off x="7774732" y="2630252"/>
             <a:ext cx="827982" cy="276999"/>
           </a:xfrm>
           <a:prstGeom prst="rect">
@@ -7194,7 +7194,7 @@
         </p:nvSpPr>
         <p:spPr>
           <a:xfrm>
-            <a:off x="2992894" y="1102937"/>
+            <a:off x="2992894" y="1476641"/>
             <a:ext cx="6036109" cy="584775"/>
           </a:xfrm>
           <a:prstGeom prst="rect">
@@ -7308,7 +7308,7 @@
         </p:nvSpPr>
         <p:spPr>
           <a:xfrm>
-            <a:off x="2568683" y="637040"/>
+            <a:off x="2568683" y="613187"/>
             <a:ext cx="6623025" cy="584775"/>
           </a:xfrm>
           <a:prstGeom prst="rect">
@@ -8582,7 +8582,7 @@
         </p:nvSpPr>
         <p:spPr>
           <a:xfrm>
-            <a:off x="2568683" y="637040"/>
+            <a:off x="2568683" y="947129"/>
             <a:ext cx="6623025" cy="1077218"/>
           </a:xfrm>
           <a:prstGeom prst="rect">
@@ -9329,7 +9329,7 @@
         </p:nvSpPr>
         <p:spPr>
           <a:xfrm>
-            <a:off x="2568683" y="637040"/>
+            <a:off x="2568683" y="963042"/>
             <a:ext cx="6623025" cy="1077218"/>
           </a:xfrm>
           <a:prstGeom prst="rect">
@@ -10123,7 +10123,7 @@
         </p:nvSpPr>
         <p:spPr>
           <a:xfrm>
-            <a:off x="2568683" y="637040"/>
+            <a:off x="2568683" y="963031"/>
             <a:ext cx="6623025" cy="1077218"/>
           </a:xfrm>
           <a:prstGeom prst="rect">
